--- a/ML3.pptx
+++ b/ML3.pptx
@@ -5,7 +5,7 @@
     <p:sldMasterId id="2147483648" r:id="rId1"/>
   </p:sldMasterIdLst>
   <p:handoutMasterIdLst>
-    <p:handoutMasterId r:id="rId44"/>
+    <p:handoutMasterId r:id="rId48"/>
   </p:handoutMasterIdLst>
   <p:sldIdLst>
     <p:sldId id="256" r:id="rId2"/>
@@ -50,6 +50,10 @@
     <p:sldId id="267" r:id="rId41"/>
     <p:sldId id="269" r:id="rId42"/>
     <p:sldId id="301" r:id="rId43"/>
+    <p:sldId id="562" r:id="rId44"/>
+    <p:sldId id="563" r:id="rId45"/>
+    <p:sldId id="564" r:id="rId46"/>
+    <p:sldId id="565" r:id="rId47"/>
   </p:sldIdLst>
   <p:sldSz cx="9144000" cy="6858000" type="screen4x3"/>
   <p:notesSz cx="9144000" cy="6858000"/>
@@ -4908,7 +4912,15 @@
           <a:p>
             <a:r>
               <a:rPr lang="ru" altLang="ru-RU" sz="2400" dirty="0"/>
-              <a:t>Это неправильный подход и не работает так хорошо, как лучшие методы, но это просто:</a:t>
+              <a:t>Не работает так хорошо, как лучшие методы, но </a:t>
+            </a:r>
+            <a:r>
+              <a:rPr lang="ru-RU" altLang="ru-RU" sz="2400" dirty="0"/>
+              <a:t>он прост</a:t>
+            </a:r>
+            <a:r>
+              <a:rPr lang="ru" altLang="ru-RU" sz="2400" dirty="0"/>
+              <a:t>:</a:t>
             </a:r>
           </a:p>
           <a:p>
@@ -6224,7 +6236,7 @@
           <a:p>
             <a:r>
               <a:rPr lang="ru" altLang="ru-RU" sz="1800" dirty="0"/>
-              <a:t>Проекция на вектор, разделяющий класс, означает, что это кажется разумным:</a:t>
+              <a:t>Проекция на вектор, разделяющий класс - кажется разумным</a:t>
             </a:r>
           </a:p>
           <a:p>
@@ -6233,7 +6245,7 @@
           <a:p>
             <a:r>
               <a:rPr lang="ru" altLang="ru-RU" sz="1800" dirty="0"/>
-              <a:t>Но нам также нужна небольшая дисперсия внутри каждого класса:</a:t>
+              <a:t>Нам также нужна небольшая дисперсия внутри каждого класса:</a:t>
             </a:r>
           </a:p>
           <a:p>
@@ -6278,7 +6290,7 @@
           <a:graphicData uri="http://schemas.openxmlformats.org/presentationml/2006/ole">
             <mc:AlternateContent xmlns:mc="http://schemas.openxmlformats.org/markup-compatibility/2006">
               <mc:Choice xmlns:v="urn:schemas-microsoft-com:vml" Requires="v">
-                <p:oleObj spid="_x0000_s263222" name="Equation" r:id="rId3" imgW="13169900" imgH="5854700" progId="Equation.3">
+                <p:oleObj spid="_x0000_s263242" name="Equation" r:id="rId3" imgW="13169900" imgH="5854700" progId="Equation.3">
                   <p:embed/>
                 </p:oleObj>
               </mc:Choice>
@@ -6377,7 +6389,7 @@
           <a:graphicData uri="http://schemas.openxmlformats.org/presentationml/2006/ole">
             <mc:AlternateContent xmlns:mc="http://schemas.openxmlformats.org/markup-compatibility/2006">
               <mc:Choice xmlns:v="urn:schemas-microsoft-com:vml" Requires="v">
-                <p:oleObj spid="_x0000_s263223" name="Equation" r:id="rId5" imgW="21361400" imgH="4978400" progId="Equation.3">
+                <p:oleObj spid="_x0000_s263243" name="Equation" r:id="rId5" imgW="21361400" imgH="4978400" progId="Equation.3">
                   <p:embed/>
                 </p:oleObj>
               </mc:Choice>
@@ -6476,7 +6488,7 @@
           <a:graphicData uri="http://schemas.openxmlformats.org/presentationml/2006/ole">
             <mc:AlternateContent xmlns:mc="http://schemas.openxmlformats.org/markup-compatibility/2006">
               <mc:Choice xmlns:v="urn:schemas-microsoft-com:vml" Requires="v">
-                <p:oleObj spid="_x0000_s263224" name="Equation" r:id="rId7" imgW="26911300" imgH="19304000" progId="Equation.3">
+                <p:oleObj spid="_x0000_s263244" name="Equation" r:id="rId7" imgW="26911300" imgH="19304000" progId="Equation.3">
                   <p:embed/>
                 </p:oleObj>
               </mc:Choice>
@@ -6575,7 +6587,7 @@
           <a:graphicData uri="http://schemas.openxmlformats.org/presentationml/2006/ole">
             <mc:AlternateContent xmlns:mc="http://schemas.openxmlformats.org/markup-compatibility/2006">
               <mc:Choice xmlns:v="urn:schemas-microsoft-com:vml" Requires="v">
-                <p:oleObj spid="_x0000_s263225" name="Equation" r:id="rId9" imgW="29552900" imgH="11112500" progId="Equation.3">
+                <p:oleObj spid="_x0000_s263245" name="Equation" r:id="rId9" imgW="29552900" imgH="11112500" progId="Equation.3">
                   <p:embed/>
                 </p:oleObj>
               </mc:Choice>
@@ -6938,7 +6950,7 @@
             </p:nvSpPr>
             <p:spPr>
               <a:xfrm>
-                <a:off x="-250119" y="4616041"/>
+                <a:off x="-118356" y="4257927"/>
                 <a:ext cx="5398382" cy="797334"/>
               </a:xfrm>
               <a:prstGeom prst="rect">
@@ -7334,7 +7346,7 @@
             </p:nvSpPr>
             <p:spPr>
               <a:xfrm>
-                <a:off x="-250119" y="4616041"/>
+                <a:off x="-118356" y="4257927"/>
                 <a:ext cx="5398382" cy="797334"/>
               </a:xfrm>
               <a:prstGeom prst="rect">
@@ -7343,7 +7355,7 @@
               <a:blipFill>
                 <a:blip r:embed="rId11"/>
                 <a:stretch>
-                  <a:fillRect t="-117188" b="-157813"/>
+                  <a:fillRect t="-119048" b="-161905"/>
                 </a:stretch>
               </a:blipFill>
             </p:spPr>
@@ -7362,6 +7374,76 @@
           </p:sp>
         </mc:Fallback>
       </mc:AlternateContent>
+      <p:sp>
+        <p:nvSpPr>
+          <p:cNvPr id="2" name="TextBox 1">
+            <a:extLst>
+              <a:ext uri="{FF2B5EF4-FFF2-40B4-BE49-F238E27FC236}">
+                <a16:creationId xmlns:a16="http://schemas.microsoft.com/office/drawing/2014/main" id="{8C512CC8-57E5-4F4F-9DDF-AC9496576ECA}"/>
+              </a:ext>
+            </a:extLst>
+          </p:cNvPr>
+          <p:cNvSpPr txBox="1"/>
+          <p:nvPr/>
+        </p:nvSpPr>
+        <p:spPr>
+          <a:xfrm>
+            <a:off x="7936502" y="3284538"/>
+            <a:ext cx="287982" cy="307777"/>
+          </a:xfrm>
+          <a:prstGeom prst="rect">
+            <a:avLst/>
+          </a:prstGeom>
+          <a:noFill/>
+        </p:spPr>
+        <p:txBody>
+          <a:bodyPr wrap="square" rtlCol="0">
+            <a:spAutoFit/>
+          </a:bodyPr>
+          <a:lstStyle/>
+          <a:p>
+            <a:r>
+              <a:rPr lang="ru-RU" sz="1400" dirty="0"/>
+              <a:t>2</a:t>
+            </a:r>
+          </a:p>
+        </p:txBody>
+      </p:sp>
+      <p:sp>
+        <p:nvSpPr>
+          <p:cNvPr id="14" name="TextBox 13">
+            <a:extLst>
+              <a:ext uri="{FF2B5EF4-FFF2-40B4-BE49-F238E27FC236}">
+                <a16:creationId xmlns:a16="http://schemas.microsoft.com/office/drawing/2014/main" id="{AE5F3FE7-381E-3143-8D43-BDF4EC0CB49A}"/>
+              </a:ext>
+            </a:extLst>
+          </p:cNvPr>
+          <p:cNvSpPr txBox="1"/>
+          <p:nvPr/>
+        </p:nvSpPr>
+        <p:spPr>
+          <a:xfrm>
+            <a:off x="7993063" y="4287298"/>
+            <a:ext cx="287982" cy="307777"/>
+          </a:xfrm>
+          <a:prstGeom prst="rect">
+            <a:avLst/>
+          </a:prstGeom>
+          <a:noFill/>
+        </p:spPr>
+        <p:txBody>
+          <a:bodyPr wrap="square" rtlCol="0">
+            <a:spAutoFit/>
+          </a:bodyPr>
+          <a:lstStyle/>
+          <a:p>
+            <a:r>
+              <a:rPr lang="ru-RU" sz="1400" dirty="0"/>
+              <a:t>2</a:t>
+            </a:r>
+          </a:p>
+        </p:txBody>
+      </p:sp>
     </p:spTree>
   </p:cSld>
   <p:clrMapOvr>
@@ -7415,7 +7497,7 @@
           <a:graphicData uri="http://schemas.openxmlformats.org/presentationml/2006/ole">
             <mc:AlternateContent xmlns:mc="http://schemas.openxmlformats.org/markup-compatibility/2006">
               <mc:Choice xmlns:v="urn:schemas-microsoft-com:vml" Requires="v">
-                <p:oleObj spid="_x0000_s296977" name="Equation" r:id="rId3" imgW="83680300" imgH="49733200" progId="Equation.3">
+                <p:oleObj spid="_x0000_s296982" name="Equation" r:id="rId3" imgW="83680300" imgH="49733200" progId="Equation.3">
                   <p:embed/>
                 </p:oleObj>
               </mc:Choice>
@@ -7677,17 +7759,6 @@
               <a:t>Они имеют те же ограничения, что и персептроны, в отношении того, какие типы функций они могут изучить.</a:t>
             </a:r>
           </a:p>
-          <a:p>
-            <a:pPr lvl="2">
-              <a:lnSpc>
-                <a:spcPct val="80000"/>
-              </a:lnSpc>
-            </a:pPr>
-            <a:r>
-              <a:rPr lang="ru" altLang="ru-RU" sz="1400" dirty="0"/>
-              <a:t>Но люди, похоже, об этом забыли.</a:t>
-            </a:r>
-          </a:p>
         </p:txBody>
       </p:sp>
       <p:pic>
@@ -7796,8 +7867,8 @@
           </a:p>
         </p:txBody>
       </p:sp>
-      <mc:AlternateContent xmlns:mc="http://schemas.openxmlformats.org/markup-compatibility/2006">
-        <mc:Choice xmlns:a14="http://schemas.microsoft.com/office/drawing/2010/main" Requires="a14">
+      <mc:AlternateContent xmlns:mc="http://schemas.openxmlformats.org/markup-compatibility/2006" xmlns:a14="http://schemas.microsoft.com/office/drawing/2010/main">
+        <mc:Choice Requires="a14">
           <p:sp>
             <p:nvSpPr>
               <p:cNvPr id="3" name="Объект 2">
@@ -8723,7 +8794,7 @@
             </p:txBody>
           </p:sp>
         </mc:Choice>
-        <mc:Fallback>
+        <mc:Fallback xmlns="">
           <p:sp>
             <p:nvSpPr>
               <p:cNvPr id="3" name="Объект 2">
@@ -10224,7 +10295,7 @@
           <a:graphicData uri="http://schemas.openxmlformats.org/presentationml/2006/ole">
             <mc:AlternateContent xmlns:mc="http://schemas.openxmlformats.org/markup-compatibility/2006">
               <mc:Choice xmlns:v="urn:schemas-microsoft-com:vml" Requires="v">
-                <p:oleObj spid="_x0000_s225300" name="Equation" r:id="rId3" imgW="59397900" imgH="6146800" progId="Equation.3">
+                <p:oleObj spid="_x0000_s225305" name="Equation" r:id="rId3" imgW="59397900" imgH="6146800" progId="Equation.3">
                   <p:embed/>
                 </p:oleObj>
               </mc:Choice>
@@ -11055,21 +11126,7 @@
                 <a:effectLst/>
                 <a:latin typeface="Fd629057-Identity-H"/>
               </a:rPr>
-              <a:t>Сходимость алгоритма обучения персептрона, на </a:t>
-            </a:r>
-            <a:r>
-              <a:rPr lang="ru-RU" sz="1050" dirty="0" err="1">
-                <a:effectLst/>
-                <a:latin typeface="Fd629057-Identity-H"/>
-              </a:rPr>
-              <a:t>которои</a:t>
-            </a:r>
-            <a:r>
-              <a:rPr lang="ru-RU" sz="1050" dirty="0">
-                <a:effectLst/>
-                <a:latin typeface="Fd629057-Identity-H"/>
-              </a:rPr>
-              <a:t>̆ показаны точки из двух классов {красного и синего) в двухмерном пространстве признаков </a:t>
+              <a:t>Сходимость алгоритма обучения персептрона, на которой показаны точки из двух классов {красного и синего) в двухмерном пространстве признаков </a:t>
             </a:r>
             <a:r>
               <a:rPr lang="ru-RU" sz="1000" dirty="0">
@@ -11098,21 +11155,7 @@
                 <a:effectLst/>
                 <a:latin typeface="Fd629057-Identity-H"/>
               </a:rPr>
-              <a:t>вверху показан </a:t>
-            </a:r>
-            <a:r>
-              <a:rPr lang="ru-RU" sz="1050" dirty="0" err="1">
-                <a:effectLst/>
-                <a:latin typeface="Fd629057-Identity-H"/>
-              </a:rPr>
-              <a:t>начальныи</a:t>
-            </a:r>
-            <a:r>
-              <a:rPr lang="ru-RU" sz="1050" dirty="0">
-                <a:effectLst/>
-                <a:latin typeface="Fd629057-Identity-H"/>
-              </a:rPr>
-              <a:t>̆ вектор параметров </a:t>
+              <a:t>вверху показан начальный вектор параметров </a:t>
             </a:r>
             <a:r>
               <a:rPr lang="en" sz="100" dirty="0">
@@ -11122,60 +11165,11 @@
               <a:t>w, </a:t>
             </a:r>
             <a:r>
-              <a:rPr lang="ru-RU" sz="1050" dirty="0" err="1">
-                <a:effectLst/>
-                <a:latin typeface="Fd629057-Identity-H"/>
-              </a:rPr>
-              <a:t>представленныи</a:t>
-            </a:r>
-            <a:r>
               <a:rPr lang="ru-RU" sz="1050" dirty="0">
                 <a:effectLst/>
                 <a:latin typeface="Fd629057-Identity-H"/>
               </a:rPr>
-              <a:t>̆ в виде </a:t>
-            </a:r>
-            <a:r>
-              <a:rPr lang="ru-RU" sz="1050" dirty="0" err="1">
-                <a:effectLst/>
-                <a:latin typeface="Fd629057-Identity-H"/>
-              </a:rPr>
-              <a:t>чернои</a:t>
-            </a:r>
-            <a:r>
-              <a:rPr lang="ru-RU" sz="1050" dirty="0">
-                <a:effectLst/>
-                <a:latin typeface="Fd629057-Identity-H"/>
-              </a:rPr>
-              <a:t>̆ стрелки вместе с </a:t>
-            </a:r>
-            <a:r>
-              <a:rPr lang="ru-RU" sz="1050" dirty="0" err="1">
-                <a:effectLst/>
-                <a:latin typeface="Fd629057-Identity-H"/>
-              </a:rPr>
-              <a:t>соответствующеи</a:t>
-            </a:r>
-            <a:r>
-              <a:rPr lang="ru-RU" sz="1050" dirty="0">
-                <a:effectLst/>
-                <a:latin typeface="Fd629057-Identity-H"/>
-              </a:rPr>
-              <a:t>̆ </a:t>
-            </a:r>
-            <a:r>
-              <a:rPr lang="ru-RU" sz="1050" dirty="0" err="1">
-                <a:effectLst/>
-                <a:latin typeface="Fd629057-Identity-H"/>
-              </a:rPr>
-              <a:t>границеи</a:t>
-            </a:r>
-            <a:r>
-              <a:rPr lang="ru-RU" sz="1050" dirty="0">
-                <a:effectLst/>
-                <a:latin typeface="Fd629057-Identity-H"/>
-              </a:rPr>
-              <a:t>̆ решения (черная линия), где стрелка указывает </a:t>
+              <a:t>представленный в виде черной стрелки вместе с соответствующей границей решения (черная линия), где стрелка указывает </a:t>
             </a:r>
             <a:r>
               <a:rPr lang="ru-RU" sz="1100" dirty="0">
@@ -11198,9 +11192,6 @@
               </a:rPr>
               <a:t>ее </a:t>
             </a:r>
-            <a:endParaRPr lang="ru-RU" sz="1050" dirty="0"/>
-          </a:p>
-          <a:p>
             <a:r>
               <a:rPr lang="ru-RU" sz="1050" dirty="0">
                 <a:effectLst/>
@@ -11452,7 +11443,7 @@
             </a:pPr>
             <a:r>
               <a:rPr lang="ru" altLang="ru-RU" sz="2000" dirty="0"/>
-              <a:t>Другой тип функции стоимости заключается в использовании квадрата расстояния между текущими весами и допустимым набором весов.</a:t>
+              <a:t>Другой тип функции стоимости использует квадрат расстояния между текущими весами и допустимым набором весов.</a:t>
             </a:r>
           </a:p>
           <a:p>
@@ -11463,7 +11454,7 @@
             </a:pPr>
             <a:r>
               <a:rPr lang="ru" altLang="ru-RU" sz="2000" dirty="0"/>
-              <a:t>Используя эту функцию стоимости, мы можем показать, что каждый шаг процедуры уменьшает ошибку.</a:t>
+              <a:t>Используя эту функцию стоимости, можно показать, что каждый шаг процедуры уменьшает ошибку.</a:t>
             </a:r>
           </a:p>
           <a:p>
@@ -11839,7 +11830,7 @@
           <a:graphicData uri="http://schemas.openxmlformats.org/presentationml/2006/ole">
             <mc:AlternateContent xmlns:mc="http://schemas.openxmlformats.org/markup-compatibility/2006">
               <mc:Choice xmlns:v="urn:schemas-microsoft-com:vml" Requires="v">
-                <p:oleObj spid="_x0000_s268317" name="Equation" r:id="rId3" imgW="28384500" imgH="10528300" progId="Equation.3">
+                <p:oleObj spid="_x0000_s268322" name="Equation" r:id="rId3" imgW="28384500" imgH="10528300" progId="Equation.3">
                   <p:embed/>
                 </p:oleObj>
               </mc:Choice>
@@ -12620,8 +12611,8 @@
         </p:nvSpPr>
         <p:spPr bwMode="auto">
           <a:xfrm rot="889701">
-            <a:off x="4932363" y="3789363"/>
-            <a:ext cx="1611312" cy="396875"/>
+            <a:off x="4500823" y="3787746"/>
+            <a:ext cx="2474395" cy="400110"/>
           </a:xfrm>
           <a:prstGeom prst="rect">
             <a:avLst/>
@@ -12667,12 +12658,20 @@
           <a:lstStyle/>
           <a:p>
             <a:r>
-              <a:rPr lang="ru" altLang="ru-RU" sz="2000">
+              <a:rPr lang="ru-RU" altLang="ru-RU" sz="2000" dirty="0">
                 <a:solidFill>
                   <a:srgbClr val="3333CC"/>
                 </a:solidFill>
               </a:rPr>
-              <a:t>весовой самолет</a:t>
+              <a:t>П</a:t>
+            </a:r>
+            <a:r>
+              <a:rPr lang="ru" altLang="ru-RU" sz="2000" dirty="0">
+                <a:solidFill>
+                  <a:srgbClr val="3333CC"/>
+                </a:solidFill>
+              </a:rPr>
+              <a:t>оверхность весов</a:t>
             </a:r>
           </a:p>
         </p:txBody>
@@ -14868,7 +14867,7 @@
           <a:graphicData uri="http://schemas.openxmlformats.org/presentationml/2006/ole">
             <mc:AlternateContent xmlns:mc="http://schemas.openxmlformats.org/markup-compatibility/2006">
               <mc:Choice xmlns:v="urn:schemas-microsoft-com:vml" Requires="v">
-                <p:oleObj spid="_x0000_s272428" name="Equation" r:id="rId3" imgW="15214600" imgH="5270500" progId="Equation.3">
+                <p:oleObj spid="_x0000_s272433" name="Equation" r:id="rId3" imgW="15214600" imgH="5270500" progId="Equation.3">
                   <p:embed/>
                 </p:oleObj>
               </mc:Choice>
@@ -18725,7 +18724,7 @@
             </a:pPr>
             <a:r>
               <a:rPr lang="ru" altLang="ru-RU" sz="2000" dirty="0"/>
-              <a:t>Для вероятностных меток классов целевым значением может быть вероятность положительного класса, а выходные данные модели также могут представлять собой вероятность, которую модель присваивает положительному классу.</a:t>
+              <a:t>Для вероятностных меток классов целевым значением может быть вероятность положительного класса, а выход модели представляет собой вероятность, которую модель назначает положительному классу.</a:t>
             </a:r>
           </a:p>
           <a:p>
@@ -18879,7 +18878,7 @@
           <a:graphicData uri="http://schemas.openxmlformats.org/presentationml/2006/ole">
             <mc:AlternateContent xmlns:mc="http://schemas.openxmlformats.org/markup-compatibility/2006">
               <mc:Choice xmlns:v="urn:schemas-microsoft-com:vml" Requires="v">
-                <p:oleObj spid="_x0000_s275483" name="Equation" r:id="rId3" imgW="79870300" imgH="9652000" progId="Equation.3">
+                <p:oleObj spid="_x0000_s275493" name="Equation" r:id="rId3" imgW="79870300" imgH="9652000" progId="Equation.3">
                   <p:embed/>
                 </p:oleObj>
               </mc:Choice>
@@ -18978,7 +18977,7 @@
           <a:graphicData uri="http://schemas.openxmlformats.org/presentationml/2006/ole">
             <mc:AlternateContent xmlns:mc="http://schemas.openxmlformats.org/markup-compatibility/2006">
               <mc:Choice xmlns:v="urn:schemas-microsoft-com:vml" Requires="v">
-                <p:oleObj spid="_x0000_s275484" name="Equation" r:id="rId5" imgW="73431400" imgH="11112500" progId="Equation.3">
+                <p:oleObj spid="_x0000_s275494" name="Equation" r:id="rId5" imgW="73431400" imgH="11112500" progId="Equation.3">
                   <p:embed/>
                 </p:oleObj>
               </mc:Choice>
@@ -19148,107 +19147,6 @@
       </p:sp>
       <p:graphicFrame>
         <p:nvGraphicFramePr>
-          <p:cNvPr id="277508" name="Rectangle 4">
-            <a:extLst>
-              <a:ext uri="{FF2B5EF4-FFF2-40B4-BE49-F238E27FC236}">
-                <a16:creationId xmlns:a16="http://schemas.microsoft.com/office/drawing/2014/main" id="{E829CB30-FCA1-7744-A583-AA77E71529BF}"/>
-              </a:ext>
-            </a:extLst>
-          </p:cNvPr>
-          <p:cNvGraphicFramePr>
-            <a:graphicFrameLocks noGrp="1"/>
-          </p:cNvGraphicFramePr>
-          <p:nvPr>
-            <p:ph sz="quarter" idx="2"/>
-          </p:nvPr>
-        </p:nvGraphicFramePr>
-        <p:xfrm>
-          <a:off x="5027613" y="1600200"/>
-          <a:ext cx="3279775" cy="2185988"/>
-        </p:xfrm>
-        <a:graphic>
-          <a:graphicData uri="http://schemas.openxmlformats.org/presentationml/2006/ole">
-            <mc:AlternateContent xmlns:mc="http://schemas.openxmlformats.org/markup-compatibility/2006">
-              <mc:Choice xmlns:v="urn:schemas-microsoft-com:vml" Requires="v">
-                <p:oleObj spid="_x0000_s277565" name="Equation" r:id="rId3" imgW="0" imgH="0" progId="Equation.3">
-                  <p:embed/>
-                </p:oleObj>
-              </mc:Choice>
-              <mc:Fallback>
-                <p:oleObj name="Equation" r:id="rId3" imgW="0" imgH="0" progId="Equation.3">
-                  <p:embed/>
-                  <p:pic>
-                    <p:nvPicPr>
-                      <p:cNvPr id="0" name="Rectangle 4"/>
-                      <p:cNvPicPr preferRelativeResize="0">
-                        <a:picLocks noChangeArrowheads="1"/>
-                      </p:cNvPicPr>
-                      <p:nvPr/>
-                    </p:nvPicPr>
-                    <p:blipFill>
-                      <a:blip>
-                        <a:extLst>
-                          <a:ext uri="{28A0092B-C50C-407E-A947-70E740481C1C}">
-                            <a14:useLocalDpi xmlns:a14="http://schemas.microsoft.com/office/drawing/2010/main" val="0"/>
-                          </a:ext>
-                        </a:extLst>
-                      </a:blip>
-                      <a:srcRect/>
-                      <a:stretch>
-                        <a:fillRect/>
-                      </a:stretch>
-                    </p:blipFill>
-                    <p:spPr bwMode="auto">
-                      <a:xfrm>
-                        <a:off x="5027613" y="1600200"/>
-                        <a:ext cx="3279775" cy="2185988"/>
-                      </a:xfrm>
-                      <a:prstGeom prst="rect">
-                        <a:avLst/>
-                      </a:prstGeom>
-                      <a:noFill/>
-                      <a:ln>
-                        <a:noFill/>
-                      </a:ln>
-                      <a:effectLst/>
-                      <a:extLst>
-                        <a:ext uri="{909E8E84-426E-40DD-AFC4-6F175D3DCCD1}">
-                          <a14:hiddenFill xmlns:a14="http://schemas.microsoft.com/office/drawing/2010/main">
-                            <a:solidFill>
-                              <a:srgbClr val="FFFFFF"/>
-                            </a:solidFill>
-                          </a14:hiddenFill>
-                        </a:ext>
-                        <a:ext uri="{91240B29-F687-4F45-9708-019B960494DF}">
-                          <a14:hiddenLine xmlns:a14="http://schemas.microsoft.com/office/drawing/2010/main" w="9525">
-                            <a:solidFill>
-                              <a:srgbClr val="000000"/>
-                            </a:solidFill>
-                            <a:miter lim="800000"/>
-                            <a:headEnd/>
-                            <a:tailEnd/>
-                          </a14:hiddenLine>
-                        </a:ext>
-                        <a:ext uri="{AF507438-7753-43E0-B8FC-AC1667EBCBE1}">
-                          <a14:hiddenEffects xmlns:a14="http://schemas.microsoft.com/office/drawing/2010/main">
-                            <a:effectLst>
-                              <a:outerShdw dist="35921" dir="2700000" algn="ctr" rotWithShape="0">
-                                <a:srgbClr val="808080"/>
-                              </a:outerShdw>
-                            </a:effectLst>
-                          </a14:hiddenEffects>
-                        </a:ext>
-                      </a:extLst>
-                    </p:spPr>
-                  </p:pic>
-                </p:oleObj>
-              </mc:Fallback>
-            </mc:AlternateContent>
-          </a:graphicData>
-        </a:graphic>
-      </p:graphicFrame>
-      <p:graphicFrame>
-        <p:nvGraphicFramePr>
           <p:cNvPr id="277509" name="Object 5">
             <a:extLst>
               <a:ext uri="{FF2B5EF4-FFF2-40B4-BE49-F238E27FC236}">
@@ -19271,12 +19169,12 @@
           <a:graphicData uri="http://schemas.openxmlformats.org/presentationml/2006/ole">
             <mc:AlternateContent xmlns:mc="http://schemas.openxmlformats.org/markup-compatibility/2006">
               <mc:Choice xmlns:v="urn:schemas-microsoft-com:vml" Requires="v">
-                <p:oleObj spid="_x0000_s277566" name="Equation" r:id="rId4" imgW="31597600" imgH="36283900" progId="Equation.3">
+                <p:oleObj spid="_x0000_s277582" name="Equation" r:id="rId3" imgW="31597600" imgH="36283900" progId="Equation.3">
                   <p:embed/>
                 </p:oleObj>
               </mc:Choice>
               <mc:Fallback>
-                <p:oleObj name="Equation" r:id="rId4" imgW="31597600" imgH="36283900" progId="Equation.3">
+                <p:oleObj name="Equation" r:id="rId3" imgW="31597600" imgH="36283900" progId="Equation.3">
                   <p:embed/>
                   <p:pic>
                     <p:nvPicPr>
@@ -19287,7 +19185,7 @@
                       <p:nvPr/>
                     </p:nvPicPr>
                     <p:blipFill>
-                      <a:blip r:embed="rId5">
+                      <a:blip r:embed="rId4">
                         <a:extLst>
                           <a:ext uri="{28A0092B-C50C-407E-A947-70E740481C1C}">
                             <a14:useLocalDpi xmlns:a14="http://schemas.microsoft.com/office/drawing/2010/main" val="0"/>
@@ -19829,12 +19727,12 @@
           <a:graphicData uri="http://schemas.openxmlformats.org/presentationml/2006/ole">
             <mc:AlternateContent xmlns:mc="http://schemas.openxmlformats.org/markup-compatibility/2006">
               <mc:Choice xmlns:v="urn:schemas-microsoft-com:vml" Requires="v">
-                <p:oleObj spid="_x0000_s277567" name="Equation" r:id="rId6" imgW="2921000" imgH="2921000" progId="Equation.3">
+                <p:oleObj spid="_x0000_s277583" name="Equation" r:id="rId5" imgW="2921000" imgH="2921000" progId="Equation.3">
                   <p:embed/>
                 </p:oleObj>
               </mc:Choice>
               <mc:Fallback>
-                <p:oleObj name="Equation" r:id="rId6" imgW="2921000" imgH="2921000" progId="Equation.3">
+                <p:oleObj name="Equation" r:id="rId5" imgW="2921000" imgH="2921000" progId="Equation.3">
                   <p:embed/>
                   <p:pic>
                     <p:nvPicPr>
@@ -19845,7 +19743,7 @@
                       <p:nvPr/>
                     </p:nvPicPr>
                     <p:blipFill>
-                      <a:blip r:embed="rId7">
+                      <a:blip r:embed="rId6">
                         <a:extLst>
                           <a:ext uri="{28A0092B-C50C-407E-A947-70E740481C1C}">
                             <a14:useLocalDpi xmlns:a14="http://schemas.microsoft.com/office/drawing/2010/main" val="0"/>
@@ -19928,12 +19826,12 @@
           <a:graphicData uri="http://schemas.openxmlformats.org/presentationml/2006/ole">
             <mc:AlternateContent xmlns:mc="http://schemas.openxmlformats.org/markup-compatibility/2006">
               <mc:Choice xmlns:v="urn:schemas-microsoft-com:vml" Requires="v">
-                <p:oleObj spid="_x0000_s277568" name="Equation" r:id="rId8" imgW="3213100" imgH="3797300" progId="Equation.3">
+                <p:oleObj spid="_x0000_s277584" name="Equation" r:id="rId7" imgW="3213100" imgH="3797300" progId="Equation.3">
                   <p:embed/>
                 </p:oleObj>
               </mc:Choice>
               <mc:Fallback>
-                <p:oleObj name="Equation" r:id="rId8" imgW="3213100" imgH="3797300" progId="Equation.3">
+                <p:oleObj name="Equation" r:id="rId7" imgW="3213100" imgH="3797300" progId="Equation.3">
                   <p:embed/>
                   <p:pic>
                     <p:nvPicPr>
@@ -19944,7 +19842,7 @@
                       <p:nvPr/>
                     </p:nvPicPr>
                     <p:blipFill>
-                      <a:blip r:embed="rId9">
+                      <a:blip r:embed="rId8">
                         <a:extLst>
                           <a:ext uri="{28A0092B-C50C-407E-A947-70E740481C1C}">
                             <a14:useLocalDpi xmlns:a14="http://schemas.microsoft.com/office/drawing/2010/main" val="0"/>
@@ -20350,7 +20248,7 @@
         <p:spPr bwMode="auto">
           <a:xfrm>
             <a:off x="6264275" y="5895975"/>
-            <a:ext cx="2381250" cy="701675"/>
+            <a:ext cx="2168863" cy="707886"/>
           </a:xfrm>
           <a:prstGeom prst="rect">
             <a:avLst/>
@@ -20396,17 +20294,17 @@
           <a:lstStyle/>
           <a:p>
             <a:r>
-              <a:rPr lang="ru" altLang="ru-RU" sz="2000">
+              <a:rPr lang="ru" altLang="ru-RU" sz="2000" dirty="0">
                 <a:solidFill>
                   <a:srgbClr val="3333CC"/>
                 </a:solidFill>
               </a:rPr>
-              <a:t>Странно это выражать.</a:t>
-            </a:r>
-          </a:p>
-          <a:p>
-            <a:r>
-              <a:rPr lang="ru" altLang="ru-RU" sz="2000">
+              <a:t>Странно</a:t>
+            </a:r>
+          </a:p>
+          <a:p>
+            <a:r>
+              <a:rPr lang="ru" altLang="ru-RU" sz="2000" dirty="0">
                 <a:solidFill>
                   <a:srgbClr val="3333CC"/>
                 </a:solidFill>
@@ -20581,7 +20479,7 @@
           <a:graphicData uri="http://schemas.openxmlformats.org/presentationml/2006/ole">
             <mc:AlternateContent xmlns:mc="http://schemas.openxmlformats.org/markup-compatibility/2006">
               <mc:Choice xmlns:v="urn:schemas-microsoft-com:vml" Requires="v">
-                <p:oleObj spid="_x0000_s279575" name="Equation" r:id="rId3" imgW="52082700" imgH="53835300" progId="Equation.3">
+                <p:oleObj spid="_x0000_s279580" name="Equation" r:id="rId3" imgW="52082700" imgH="53835300" progId="Equation.3">
                   <p:embed/>
                 </p:oleObj>
               </mc:Choice>
@@ -20674,7 +20572,7 @@
         </p:nvSpPr>
         <p:spPr bwMode="auto">
           <a:xfrm>
-            <a:off x="611188" y="5607050"/>
+            <a:off x="2583431" y="5557309"/>
             <a:ext cx="2305050" cy="701675"/>
           </a:xfrm>
           <a:prstGeom prst="rect">
@@ -20726,7 +20624,7 @@
               </a:spcBef>
             </a:pPr>
             <a:r>
-              <a:rPr lang="ru" altLang="ru-RU" sz="2000">
+              <a:rPr lang="ru" altLang="ru-RU" sz="2000" dirty="0">
                 <a:solidFill>
                   <a:srgbClr val="0000CC"/>
                 </a:solidFill>
@@ -20752,7 +20650,7 @@
         </p:nvSpPr>
         <p:spPr bwMode="auto">
           <a:xfrm flipV="1">
-            <a:off x="2843213" y="5229225"/>
+            <a:off x="3115293" y="5300662"/>
             <a:ext cx="504825" cy="360363"/>
           </a:xfrm>
           <a:prstGeom prst="line">
@@ -21138,7 +21036,7 @@
           <a:graphicData uri="http://schemas.openxmlformats.org/presentationml/2006/ole">
             <mc:AlternateContent xmlns:mc="http://schemas.openxmlformats.org/markup-compatibility/2006">
               <mc:Choice xmlns:v="urn:schemas-microsoft-com:vml" Requires="v">
-                <p:oleObj spid="_x0000_s281628" name="Equation" r:id="rId3" imgW="57340500" imgH="40373300" progId="Equation.3">
+                <p:oleObj spid="_x0000_s281638" name="Equation" r:id="rId3" imgW="57340500" imgH="40373300" progId="Equation.3">
                   <p:embed/>
                 </p:oleObj>
               </mc:Choice>
@@ -21237,7 +21135,7 @@
           <a:graphicData uri="http://schemas.openxmlformats.org/presentationml/2006/ole">
             <mc:AlternateContent xmlns:mc="http://schemas.openxmlformats.org/markup-compatibility/2006">
               <mc:Choice xmlns:v="urn:schemas-microsoft-com:vml" Requires="v">
-                <p:oleObj spid="_x0000_s281629" name="Equation" r:id="rId5" imgW="2628900" imgH="4978400" progId="Equation.3">
+                <p:oleObj spid="_x0000_s281639" name="Equation" r:id="rId5" imgW="2628900" imgH="4978400" progId="Equation.3">
                   <p:embed/>
                 </p:oleObj>
               </mc:Choice>
@@ -21396,7 +21294,7 @@
           <a:graphicData uri="http://schemas.openxmlformats.org/presentationml/2006/ole">
             <mc:AlternateContent xmlns:mc="http://schemas.openxmlformats.org/markup-compatibility/2006">
               <mc:Choice xmlns:v="urn:schemas-microsoft-com:vml" Requires="v">
-                <p:oleObj spid="_x0000_s278569" name="Equation" r:id="rId3" imgW="36576000" imgH="52082700" progId="Equation.3">
+                <p:oleObj spid="_x0000_s278574" name="Equation" r:id="rId3" imgW="36576000" imgH="52082700" progId="Equation.3">
                   <p:embed/>
                 </p:oleObj>
               </mc:Choice>
@@ -23420,7 +23318,7 @@
           <a:graphicData uri="http://schemas.openxmlformats.org/presentationml/2006/ole">
             <mc:AlternateContent xmlns:mc="http://schemas.openxmlformats.org/markup-compatibility/2006">
               <mc:Choice xmlns:v="urn:schemas-microsoft-com:vml" Requires="v">
-                <p:oleObj spid="_x0000_s283664" name="Equation" r:id="rId3" imgW="40081200" imgH="10528300" progId="Equation.3">
+                <p:oleObj spid="_x0000_s283669" name="Equation" r:id="rId3" imgW="40081200" imgH="10528300" progId="Equation.3">
                   <p:embed/>
                 </p:oleObj>
               </mc:Choice>
@@ -23616,7 +23514,7 @@
           <a:graphicData uri="http://schemas.openxmlformats.org/presentationml/2006/ole">
             <mc:AlternateContent xmlns:mc="http://schemas.openxmlformats.org/markup-compatibility/2006">
               <mc:Choice xmlns:v="urn:schemas-microsoft-com:vml" Requires="v">
-                <p:oleObj spid="_x0000_s276499" name="Equation" r:id="rId3" imgW="76949300" imgH="25742900" progId="Equation.3">
+                <p:oleObj spid="_x0000_s276504" name="Equation" r:id="rId3" imgW="76949300" imgH="25742900" progId="Equation.3">
                   <p:embed/>
                 </p:oleObj>
               </mc:Choice>
@@ -24012,7 +23910,7 @@
           <a:graphicData uri="http://schemas.openxmlformats.org/presentationml/2006/ole">
             <mc:AlternateContent xmlns:mc="http://schemas.openxmlformats.org/markup-compatibility/2006">
               <mc:Choice xmlns:v="urn:schemas-microsoft-com:vml" Requires="v">
-                <p:oleObj spid="_x0000_s286750" name="Equation" r:id="rId3" imgW="62026800" imgH="7315200" progId="Equation.3">
+                <p:oleObj spid="_x0000_s286760" name="Equation" r:id="rId3" imgW="62026800" imgH="7315200" progId="Equation.3">
                   <p:embed/>
                 </p:oleObj>
               </mc:Choice>
@@ -24111,7 +24009,7 @@
           <a:graphicData uri="http://schemas.openxmlformats.org/presentationml/2006/ole">
             <mc:AlternateContent xmlns:mc="http://schemas.openxmlformats.org/markup-compatibility/2006">
               <mc:Choice xmlns:v="urn:schemas-microsoft-com:vml" Requires="v">
-                <p:oleObj spid="_x0000_s286751" name="Equation" r:id="rId5" imgW="61734700" imgH="22529800" progId="Equation.3">
+                <p:oleObj spid="_x0000_s286761" name="Equation" r:id="rId5" imgW="61734700" imgH="22529800" progId="Equation.3">
                   <p:embed/>
                 </p:oleObj>
               </mc:Choice>
@@ -24739,7 +24637,7 @@
           <a:graphicData uri="http://schemas.openxmlformats.org/presentationml/2006/ole">
             <mc:AlternateContent xmlns:mc="http://schemas.openxmlformats.org/markup-compatibility/2006">
               <mc:Choice xmlns:v="urn:schemas-microsoft-com:vml" Requires="v">
-                <p:oleObj spid="_x0000_s289810" name="Equation" r:id="rId3" imgW="31889700" imgH="41541700" progId="Equation.3">
+                <p:oleObj spid="_x0000_s289815" name="Equation" r:id="rId3" imgW="31889700" imgH="41541700" progId="Equation.3">
                   <p:embed/>
                 </p:oleObj>
               </mc:Choice>
@@ -24979,7 +24877,7 @@
             </a:pPr>
             <a:r>
               <a:rPr lang="ru" altLang="ru-RU" sz="1800" dirty="0"/>
-              <a:t>Например, подгоните многомерную гауссову функцию к входным векторам каждого класса и посмотрите, какая гауссова функция сделает вектор тестовых данных наиболее вероятным. </a:t>
+              <a:t>Например, обучите многомерную гауссову функцию по входным векторам каждого класса и посмотрите, какая гауссова функция сделает вектор тестовых данных наиболее вероятным. </a:t>
             </a:r>
             <a:r>
               <a:rPr lang="ru" altLang="ru-RU" sz="1800" dirty="0">
@@ -24991,10 +24889,11 @@
             </a:r>
           </a:p>
           <a:p>
-            <a:pPr>
+            <a:pPr marL="0" indent="0">
               <a:lnSpc>
                 <a:spcPct val="90000"/>
               </a:lnSpc>
+              <a:buNone/>
             </a:pPr>
             <a:endParaRPr lang="en-US" altLang="ru-RU" sz="1800" dirty="0"/>
           </a:p>
@@ -25028,7 +24927,7 @@
           <a:graphicData uri="http://schemas.openxmlformats.org/presentationml/2006/ole">
             <mc:AlternateContent xmlns:mc="http://schemas.openxmlformats.org/markup-compatibility/2006">
               <mc:Choice xmlns:v="urn:schemas-microsoft-com:vml" Requires="v">
-                <p:oleObj spid="_x0000_s257039" name="Equation" r:id="rId3" imgW="24282400" imgH="5270500" progId="Equation.3">
+                <p:oleObj spid="_x0000_s257044" name="Equation" r:id="rId3" imgW="24282400" imgH="5270500" progId="Equation.3">
                   <p:embed/>
                 </p:oleObj>
               </mc:Choice>
@@ -25152,8 +25051,8 @@
           <a:lstStyle/>
           <a:p>
             <a:r>
-              <a:rPr lang="ru" altLang="ru-RU" sz="3200"/>
-              <a:t>Апостериорная вероятность, когда матрицы ковариации различны для разных классов.</a:t>
+              <a:rPr lang="ru" altLang="ru-RU" sz="2800" dirty="0"/>
+              <a:t>Апостериорная вероятность, когда матрицы ковариации различны для разных классов</a:t>
             </a:r>
           </a:p>
         </p:txBody>
@@ -25269,7 +25168,7 @@
         <p:spPr bwMode="auto">
           <a:xfrm>
             <a:off x="4932363" y="5286375"/>
-            <a:ext cx="3816350" cy="1311275"/>
+            <a:ext cx="3816350" cy="1323439"/>
           </a:xfrm>
           <a:prstGeom prst="rect">
             <a:avLst/>
@@ -25320,7 +25219,7 @@
               </a:spcBef>
             </a:pPr>
             <a:r>
-              <a:rPr lang="ru" altLang="ru-RU" sz="2000">
+              <a:rPr lang="ru" altLang="ru-RU" sz="1600" dirty="0">
                 <a:solidFill>
                   <a:srgbClr val="0000CC"/>
                 </a:solidFill>
@@ -25377,7 +25276,7 @@
           <a:lstStyle/>
           <a:p>
             <a:r>
-              <a:rPr lang="ru" altLang="ru-RU" sz="3200"/>
+              <a:rPr lang="ru" altLang="ru-RU" sz="3200" dirty="0"/>
               <a:t>Два способа обучения набора генеративных моделей, специфичных для класса</a:t>
             </a:r>
           </a:p>
@@ -25410,7 +25309,7 @@
           <a:lstStyle/>
           <a:p>
             <a:r>
-              <a:rPr lang="ru" altLang="ru-RU" sz="2000">
+              <a:rPr lang="ru" altLang="ru-RU" sz="1800" dirty="0">
                 <a:solidFill>
                   <a:srgbClr val="0000CC"/>
                 </a:solidFill>
@@ -25418,27 +25317,27 @@
               <a:t>Генеративный подход </a:t>
             </a:r>
             <a:r>
-              <a:rPr lang="ru" altLang="ru-RU" sz="2000"/>
+              <a:rPr lang="ru" altLang="ru-RU" sz="1800" dirty="0"/>
               <a:t>Обучайте каждую модель отдельно, чтобы она соответствовала входным векторам соответствующего класса.</a:t>
             </a:r>
           </a:p>
           <a:p>
             <a:pPr lvl="1"/>
             <a:r>
-              <a:rPr lang="ru" altLang="ru-RU" sz="2000"/>
+              <a:rPr lang="ru" altLang="ru-RU" sz="1800" dirty="0"/>
               <a:t>Разные модели можно обучать на разных ядрах.</a:t>
             </a:r>
           </a:p>
           <a:p>
             <a:pPr lvl="1"/>
             <a:r>
-              <a:rPr lang="ru" altLang="ru-RU" sz="2000"/>
+              <a:rPr lang="ru" altLang="ru-RU" sz="1800" dirty="0"/>
               <a:t>Легко добавить новый класс без переобучения всех остальных классов.</a:t>
             </a:r>
           </a:p>
           <a:p>
             <a:r>
-              <a:rPr lang="ru" altLang="ru-RU" sz="2000"/>
+              <a:rPr lang="ru" altLang="ru-RU" sz="1800" dirty="0"/>
               <a:t>Это существенные преимущества, когда модели сложнее обучать, чем простые линейные модели, рассматриваемые здесь.</a:t>
             </a:r>
           </a:p>
@@ -25471,7 +25370,7 @@
               </a:lnSpc>
             </a:pPr>
             <a:r>
-              <a:rPr lang="ru" altLang="ru-RU" sz="2400">
+              <a:rPr lang="ru" altLang="ru-RU" sz="2000" dirty="0">
                 <a:solidFill>
                   <a:srgbClr val="0000CC"/>
                 </a:solidFill>
@@ -25479,7 +25378,7 @@
               <a:t>Дискриминационный подход. </a:t>
             </a:r>
             <a:r>
-              <a:rPr lang="ru" altLang="ru-RU" sz="2400"/>
+              <a:rPr lang="ru" altLang="ru-RU" sz="2000" dirty="0"/>
               <a:t>Обучите все параметры обеих моделей, чтобы максимально увеличить вероятность правильного присвоения меток.</a:t>
             </a:r>
           </a:p>
@@ -26426,7 +26325,7 @@
         <p:spPr bwMode="auto">
           <a:xfrm>
             <a:off x="5508625" y="4294188"/>
-            <a:ext cx="3240088" cy="1006475"/>
+            <a:ext cx="3240088" cy="1077218"/>
           </a:xfrm>
           <a:prstGeom prst="rect">
             <a:avLst/>
@@ -26477,7 +26376,7 @@
               </a:spcBef>
             </a:pPr>
             <a:r>
-              <a:rPr lang="ru" altLang="ru-RU" sz="2000"/>
+              <a:rPr lang="ru" altLang="ru-RU" sz="1600"/>
               <a:t>Что произойдет с границей принятия решений, если мы добавим сюда новую красную точку?</a:t>
             </a:r>
           </a:p>
@@ -27397,7 +27296,7 @@
         <p:spPr bwMode="auto">
           <a:xfrm>
             <a:off x="1042988" y="5516563"/>
-            <a:ext cx="7489825" cy="1187450"/>
+            <a:ext cx="7489825" cy="923330"/>
           </a:xfrm>
           <a:prstGeom prst="rect">
             <a:avLst/>
@@ -27448,13 +27347,1203 @@
               </a:spcBef>
             </a:pPr>
             <a:r>
-              <a:rPr lang="ru" altLang="ru-RU" sz="2400"/>
+              <a:rPr lang="ru" altLang="ru-RU" sz="1800" dirty="0"/>
               <a:t>При генеративной подгонке красное среднее смещается вправо, а граница принятия решения — влево! Если вы действительно верите в гауссовские данные, это разумно.</a:t>
             </a:r>
           </a:p>
         </p:txBody>
       </p:sp>
     </p:spTree>
+  </p:cSld>
+  <p:clrMapOvr>
+    <a:masterClrMapping/>
+  </p:clrMapOvr>
+</p:sld>
+</file>
+
+<file path=ppt/slides/slide43.xml><?xml version="1.0" encoding="utf-8"?>
+<p:sld xmlns:a="http://schemas.openxmlformats.org/drawingml/2006/main" xmlns:r="http://schemas.openxmlformats.org/officeDocument/2006/relationships" xmlns:p="http://schemas.openxmlformats.org/presentationml/2006/main">
+  <p:cSld>
+    <p:spTree>
+      <p:nvGrpSpPr>
+        <p:cNvPr id="1" name=""/>
+        <p:cNvGrpSpPr/>
+        <p:nvPr/>
+      </p:nvGrpSpPr>
+      <p:grpSpPr>
+        <a:xfrm>
+          <a:off x="0" y="0"/>
+          <a:ext cx="0" cy="0"/>
+          <a:chOff x="0" y="0"/>
+          <a:chExt cx="0" cy="0"/>
+        </a:xfrm>
+      </p:grpSpPr>
+      <p:sp>
+        <p:nvSpPr>
+          <p:cNvPr id="2" name="Заголовок 1">
+            <a:extLst>
+              <a:ext uri="{FF2B5EF4-FFF2-40B4-BE49-F238E27FC236}">
+                <a16:creationId xmlns:a16="http://schemas.microsoft.com/office/drawing/2014/main" id="{8F6549F6-1419-C14C-A373-617B80A33113}"/>
+              </a:ext>
+            </a:extLst>
+          </p:cNvPr>
+          <p:cNvSpPr>
+            <a:spLocks noGrp="1"/>
+          </p:cNvSpPr>
+          <p:nvPr>
+            <p:ph type="title"/>
+          </p:nvPr>
+        </p:nvSpPr>
+        <p:spPr>
+          <a:xfrm>
+            <a:off x="1187450" y="404813"/>
+            <a:ext cx="7633022" cy="1325563"/>
+          </a:xfrm>
+        </p:spPr>
+        <p:txBody>
+          <a:bodyPr/>
+          <a:lstStyle/>
+          <a:p>
+            <a:r>
+              <a:rPr lang="ru-RU" b="1" dirty="0">
+                <a:solidFill>
+                  <a:srgbClr val="00B0F0"/>
+                </a:solidFill>
+              </a:rPr>
+              <a:t>Оценка качества </a:t>
+            </a:r>
+            <a:br>
+              <a:rPr lang="ru-RU" b="1" dirty="0">
+                <a:solidFill>
+                  <a:srgbClr val="00B0F0"/>
+                </a:solidFill>
+              </a:rPr>
+            </a:br>
+            <a:r>
+              <a:rPr lang="ru-RU" b="1" dirty="0">
+                <a:solidFill>
+                  <a:srgbClr val="00B0F0"/>
+                </a:solidFill>
+              </a:rPr>
+              <a:t>классификации</a:t>
+            </a:r>
+          </a:p>
+        </p:txBody>
+      </p:sp>
+      <p:sp>
+        <p:nvSpPr>
+          <p:cNvPr id="3" name="Объект 2">
+            <a:extLst>
+              <a:ext uri="{FF2B5EF4-FFF2-40B4-BE49-F238E27FC236}">
+                <a16:creationId xmlns:a16="http://schemas.microsoft.com/office/drawing/2014/main" id="{974A6F52-047A-3144-B857-AB8214FB1139}"/>
+              </a:ext>
+            </a:extLst>
+          </p:cNvPr>
+          <p:cNvSpPr>
+            <a:spLocks noGrp="1"/>
+          </p:cNvSpPr>
+          <p:nvPr>
+            <p:ph idx="1"/>
+          </p:nvPr>
+        </p:nvSpPr>
+        <p:spPr>
+          <a:xfrm>
+            <a:off x="1187450" y="1910756"/>
+            <a:ext cx="7029962" cy="4123140"/>
+          </a:xfrm>
+        </p:spPr>
+        <p:txBody>
+          <a:bodyPr>
+            <a:normAutofit fontScale="92500" lnSpcReduction="20000"/>
+          </a:bodyPr>
+          <a:lstStyle/>
+          <a:p>
+            <a:pPr marL="0" indent="0" algn="just">
+              <a:buNone/>
+            </a:pPr>
+            <a:r>
+              <a:rPr lang="ru-RU" sz="1600" dirty="0"/>
+              <a:t>Пусть есть два класса </a:t>
+            </a:r>
+            <a:r>
+              <a:rPr lang="ru-RU" sz="1600" dirty="0" err="1"/>
+              <a:t>Y</a:t>
+            </a:r>
+            <a:r>
+              <a:rPr lang="en-US" sz="1600" dirty="0"/>
+              <a:t>={0,1}</a:t>
+            </a:r>
+            <a:r>
+              <a:rPr lang="ru-RU" sz="1600" dirty="0"/>
+              <a:t>. Пусть банк использует систему классификации заёмщиков на кредитоспособных и некредитоспособных. Обнаружение некредитоспособного заёмщика (</a:t>
+            </a:r>
+            <a:r>
+              <a:rPr lang="en-US" sz="1600" dirty="0"/>
+              <a:t>y=1) </a:t>
+            </a:r>
+            <a:r>
+              <a:rPr lang="ru-RU" sz="1600" dirty="0"/>
+              <a:t>можно рассматривать как "сигнал тревоги", сообщающий о возможных рисках. </a:t>
+            </a:r>
+          </a:p>
+          <a:p>
+            <a:pPr marL="0" indent="0" algn="just">
+              <a:buNone/>
+            </a:pPr>
+            <a:r>
+              <a:rPr lang="ru-RU" sz="1600" dirty="0"/>
+              <a:t>Возможны следующие исходы классификации:</a:t>
+            </a:r>
+          </a:p>
+          <a:p>
+            <a:pPr algn="just"/>
+            <a:r>
+              <a:rPr lang="ru-RU" sz="1600" dirty="0"/>
+              <a:t>Некредитоспособный заёмщик классифицирован как некредитоспособный, т.е. положительный класс распознан как положительный (</a:t>
+            </a:r>
+            <a:r>
+              <a:rPr lang="en-US" sz="1600" dirty="0"/>
+              <a:t>True Positive — TP).</a:t>
+            </a:r>
+          </a:p>
+          <a:p>
+            <a:pPr algn="just"/>
+            <a:r>
+              <a:rPr lang="ru-RU" sz="1600" dirty="0"/>
+              <a:t>Кредитоспособный заёмщик классифицирован как кредитоспособный, т.е. отрицательный класс распознан как отрицательный. (</a:t>
+            </a:r>
+            <a:r>
+              <a:rPr lang="en-US" sz="1600" dirty="0"/>
+              <a:t>True Negative — TN).</a:t>
+            </a:r>
+          </a:p>
+          <a:p>
+            <a:pPr algn="just"/>
+            <a:r>
+              <a:rPr lang="ru-RU" sz="1600" dirty="0"/>
+              <a:t>Кредитоспособный заёмщик классифицирован как некредитоспособный, т.е. имела место ошибка, в результате которой отрицательный класс был распознан как положительный (</a:t>
+            </a:r>
+            <a:r>
+              <a:rPr lang="en-US" sz="1600" dirty="0"/>
+              <a:t>False Positive — FP)</a:t>
+            </a:r>
+            <a:r>
+              <a:rPr lang="ru-RU" sz="1600" dirty="0"/>
+              <a:t> – это ошибка </a:t>
+            </a:r>
+            <a:r>
+              <a:rPr lang="en-US" sz="1600" dirty="0"/>
+              <a:t>I </a:t>
+            </a:r>
+            <a:r>
+              <a:rPr lang="ru-RU" sz="1600" dirty="0"/>
+              <a:t>рода (ложная тревога).</a:t>
+            </a:r>
+          </a:p>
+          <a:p>
+            <a:pPr algn="just"/>
+            <a:r>
+              <a:rPr lang="ru-RU" sz="1600" dirty="0"/>
+              <a:t>Некредитоспособный заёмщик распознан как кредитоспособный, т.е. имела место ошибка, в результате которой положительный класс был распознан как отрицательный (</a:t>
+            </a:r>
+            <a:r>
+              <a:rPr lang="en-US" sz="1600" dirty="0"/>
+              <a:t>False Negative — FN)</a:t>
+            </a:r>
+            <a:r>
+              <a:rPr lang="ru-RU" sz="1600" dirty="0"/>
+              <a:t> – это ошибка </a:t>
+            </a:r>
+            <a:r>
+              <a:rPr lang="en-US" sz="1600" dirty="0"/>
+              <a:t>II </a:t>
+            </a:r>
+            <a:r>
+              <a:rPr lang="ru-RU" sz="1600" dirty="0"/>
+              <a:t>рода (пропуск цели).</a:t>
+            </a:r>
+          </a:p>
+          <a:p>
+            <a:pPr marL="0" indent="0" algn="just">
+              <a:buNone/>
+            </a:pPr>
+            <a:endParaRPr lang="ru-RU" sz="1600" dirty="0"/>
+          </a:p>
+        </p:txBody>
+      </p:sp>
+    </p:spTree>
+    <p:extLst>
+      <p:ext uri="{BB962C8B-B14F-4D97-AF65-F5344CB8AC3E}">
+        <p14:creationId xmlns:p14="http://schemas.microsoft.com/office/powerpoint/2010/main" val="101290987"/>
+      </p:ext>
+    </p:extLst>
+  </p:cSld>
+  <p:clrMapOvr>
+    <a:masterClrMapping/>
+  </p:clrMapOvr>
+</p:sld>
+</file>
+
+<file path=ppt/slides/slide44.xml><?xml version="1.0" encoding="utf-8"?>
+<p:sld xmlns:a="http://schemas.openxmlformats.org/drawingml/2006/main" xmlns:r="http://schemas.openxmlformats.org/officeDocument/2006/relationships" xmlns:p="http://schemas.openxmlformats.org/presentationml/2006/main">
+  <p:cSld>
+    <p:spTree>
+      <p:nvGrpSpPr>
+        <p:cNvPr id="1" name=""/>
+        <p:cNvGrpSpPr/>
+        <p:nvPr/>
+      </p:nvGrpSpPr>
+      <p:grpSpPr>
+        <a:xfrm>
+          <a:off x="0" y="0"/>
+          <a:ext cx="0" cy="0"/>
+          <a:chOff x="0" y="0"/>
+          <a:chExt cx="0" cy="0"/>
+        </a:xfrm>
+      </p:grpSpPr>
+      <p:sp>
+        <p:nvSpPr>
+          <p:cNvPr id="2" name="Заголовок 1">
+            <a:extLst>
+              <a:ext uri="{FF2B5EF4-FFF2-40B4-BE49-F238E27FC236}">
+                <a16:creationId xmlns:a16="http://schemas.microsoft.com/office/drawing/2014/main" id="{8F6549F6-1419-C14C-A373-617B80A33113}"/>
+              </a:ext>
+            </a:extLst>
+          </p:cNvPr>
+          <p:cNvSpPr>
+            <a:spLocks noGrp="1"/>
+          </p:cNvSpPr>
+          <p:nvPr>
+            <p:ph type="title"/>
+          </p:nvPr>
+        </p:nvSpPr>
+        <p:spPr>
+          <a:xfrm>
+            <a:off x="1187450" y="404813"/>
+            <a:ext cx="7705030" cy="1325563"/>
+          </a:xfrm>
+        </p:spPr>
+        <p:txBody>
+          <a:bodyPr/>
+          <a:lstStyle/>
+          <a:p>
+            <a:r>
+              <a:rPr lang="ru-RU" b="1" dirty="0">
+                <a:solidFill>
+                  <a:srgbClr val="00B0F0"/>
+                </a:solidFill>
+              </a:rPr>
+              <a:t>Вопрос для самоконтроля</a:t>
+            </a:r>
+          </a:p>
+        </p:txBody>
+      </p:sp>
+      <p:sp>
+        <p:nvSpPr>
+          <p:cNvPr id="3" name="Объект 2">
+            <a:extLst>
+              <a:ext uri="{FF2B5EF4-FFF2-40B4-BE49-F238E27FC236}">
+                <a16:creationId xmlns:a16="http://schemas.microsoft.com/office/drawing/2014/main" id="{974A6F52-047A-3144-B857-AB8214FB1139}"/>
+              </a:ext>
+            </a:extLst>
+          </p:cNvPr>
+          <p:cNvSpPr>
+            <a:spLocks noGrp="1"/>
+          </p:cNvSpPr>
+          <p:nvPr>
+            <p:ph idx="1"/>
+          </p:nvPr>
+        </p:nvSpPr>
+        <p:spPr>
+          <a:xfrm>
+            <a:off x="1187450" y="1477351"/>
+            <a:ext cx="7029962" cy="523413"/>
+          </a:xfrm>
+        </p:spPr>
+        <p:txBody>
+          <a:bodyPr>
+            <a:normAutofit/>
+          </a:bodyPr>
+          <a:lstStyle/>
+          <a:p>
+            <a:pPr marL="0" indent="0" algn="just">
+              <a:buNone/>
+            </a:pPr>
+            <a:r>
+              <a:rPr lang="ru-RU" sz="1600" dirty="0"/>
+              <a:t>Где ошибка первого рода и где ошибка второго рода?</a:t>
+            </a:r>
+          </a:p>
+        </p:txBody>
+      </p:sp>
+      <p:pic>
+        <p:nvPicPr>
+          <p:cNvPr id="1026" name="Picture 2" descr="Функционалы качества бинарной классификации | Анализ малых данных">
+            <a:extLst>
+              <a:ext uri="{FF2B5EF4-FFF2-40B4-BE49-F238E27FC236}">
+                <a16:creationId xmlns:a16="http://schemas.microsoft.com/office/drawing/2014/main" id="{68C6FA9D-D394-764A-BB1B-7AF0F6CBCE55}"/>
+              </a:ext>
+            </a:extLst>
+          </p:cNvPr>
+          <p:cNvPicPr>
+            <a:picLocks noChangeAspect="1" noChangeArrowheads="1"/>
+          </p:cNvPicPr>
+          <p:nvPr/>
+        </p:nvPicPr>
+        <p:blipFill>
+          <a:blip r:embed="rId2">
+            <a:extLst>
+              <a:ext uri="{28A0092B-C50C-407E-A947-70E740481C1C}">
+                <a14:useLocalDpi xmlns:a14="http://schemas.microsoft.com/office/drawing/2010/main" val="0"/>
+              </a:ext>
+            </a:extLst>
+          </a:blip>
+          <a:srcRect/>
+          <a:stretch>
+            <a:fillRect/>
+          </a:stretch>
+        </p:blipFill>
+        <p:spPr bwMode="auto">
+          <a:xfrm>
+            <a:off x="1673593" y="2061925"/>
+            <a:ext cx="6138767" cy="4286989"/>
+          </a:xfrm>
+          <a:prstGeom prst="rect">
+            <a:avLst/>
+          </a:prstGeom>
+          <a:noFill/>
+          <a:extLst>
+            <a:ext uri="{909E8E84-426E-40DD-AFC4-6F175D3DCCD1}">
+              <a14:hiddenFill xmlns:a14="http://schemas.microsoft.com/office/drawing/2010/main">
+                <a:solidFill>
+                  <a:srgbClr val="FFFFFF"/>
+                </a:solidFill>
+              </a14:hiddenFill>
+            </a:ext>
+          </a:extLst>
+        </p:spPr>
+      </p:pic>
+      <p:sp>
+        <p:nvSpPr>
+          <p:cNvPr id="5" name="Прямоугольник 4">
+            <a:extLst>
+              <a:ext uri="{FF2B5EF4-FFF2-40B4-BE49-F238E27FC236}">
+                <a16:creationId xmlns:a16="http://schemas.microsoft.com/office/drawing/2014/main" id="{7B10E9DA-F4F7-3E40-9166-52026F89B052}"/>
+              </a:ext>
+            </a:extLst>
+          </p:cNvPr>
+          <p:cNvSpPr/>
+          <p:nvPr/>
+        </p:nvSpPr>
+        <p:spPr>
+          <a:xfrm>
+            <a:off x="1650443" y="2053243"/>
+            <a:ext cx="6138767" cy="4295671"/>
+          </a:xfrm>
+          <a:prstGeom prst="rect">
+            <a:avLst/>
+          </a:prstGeom>
+          <a:noFill/>
+          <a:ln w="76200">
+            <a:solidFill>
+              <a:srgbClr val="00B0F0"/>
+            </a:solidFill>
+          </a:ln>
+        </p:spPr>
+        <p:style>
+          <a:lnRef idx="2">
+            <a:schemeClr val="accent1">
+              <a:shade val="50000"/>
+            </a:schemeClr>
+          </a:lnRef>
+          <a:fillRef idx="1">
+            <a:schemeClr val="accent1"/>
+          </a:fillRef>
+          <a:effectRef idx="0">
+            <a:schemeClr val="accent1"/>
+          </a:effectRef>
+          <a:fontRef idx="minor">
+            <a:schemeClr val="lt1"/>
+          </a:fontRef>
+        </p:style>
+        <p:txBody>
+          <a:bodyPr rtlCol="0" anchor="ctr"/>
+          <a:lstStyle/>
+          <a:p>
+            <a:pPr algn="ctr"/>
+            <a:endParaRPr lang="ru-RU"/>
+          </a:p>
+        </p:txBody>
+      </p:sp>
+    </p:spTree>
+    <p:extLst>
+      <p:ext uri="{BB962C8B-B14F-4D97-AF65-F5344CB8AC3E}">
+        <p14:creationId xmlns:p14="http://schemas.microsoft.com/office/powerpoint/2010/main" val="989373112"/>
+      </p:ext>
+    </p:extLst>
+  </p:cSld>
+  <p:clrMapOvr>
+    <a:masterClrMapping/>
+  </p:clrMapOvr>
+</p:sld>
+</file>
+
+<file path=ppt/slides/slide45.xml><?xml version="1.0" encoding="utf-8"?>
+<p:sld xmlns:a="http://schemas.openxmlformats.org/drawingml/2006/main" xmlns:r="http://schemas.openxmlformats.org/officeDocument/2006/relationships" xmlns:p="http://schemas.openxmlformats.org/presentationml/2006/main">
+  <p:cSld>
+    <p:spTree>
+      <p:nvGrpSpPr>
+        <p:cNvPr id="1" name=""/>
+        <p:cNvGrpSpPr/>
+        <p:nvPr/>
+      </p:nvGrpSpPr>
+      <p:grpSpPr>
+        <a:xfrm>
+          <a:off x="0" y="0"/>
+          <a:ext cx="0" cy="0"/>
+          <a:chOff x="0" y="0"/>
+          <a:chExt cx="0" cy="0"/>
+        </a:xfrm>
+      </p:grpSpPr>
+      <p:sp>
+        <p:nvSpPr>
+          <p:cNvPr id="2" name="Заголовок 1">
+            <a:extLst>
+              <a:ext uri="{FF2B5EF4-FFF2-40B4-BE49-F238E27FC236}">
+                <a16:creationId xmlns:a16="http://schemas.microsoft.com/office/drawing/2014/main" id="{6F5EA8C8-35CD-6B41-BF64-19C5BEE01666}"/>
+              </a:ext>
+            </a:extLst>
+          </p:cNvPr>
+          <p:cNvSpPr>
+            <a:spLocks noGrp="1"/>
+          </p:cNvSpPr>
+          <p:nvPr>
+            <p:ph type="title"/>
+          </p:nvPr>
+        </p:nvSpPr>
+        <p:spPr>
+          <a:xfrm>
+            <a:off x="703893" y="404813"/>
+            <a:ext cx="7561014" cy="1325563"/>
+          </a:xfrm>
+        </p:spPr>
+        <p:txBody>
+          <a:bodyPr>
+            <a:normAutofit/>
+          </a:bodyPr>
+          <a:lstStyle/>
+          <a:p>
+            <a:r>
+              <a:rPr lang="ru-RU" sz="3200" b="1" dirty="0">
+                <a:solidFill>
+                  <a:srgbClr val="00B0F0"/>
+                </a:solidFill>
+              </a:rPr>
+              <a:t>Метрики качества классификации</a:t>
+            </a:r>
+          </a:p>
+        </p:txBody>
+      </p:sp>
+      <mc:AlternateContent xmlns:mc="http://schemas.openxmlformats.org/markup-compatibility/2006">
+        <mc:Choice xmlns:a14="http://schemas.microsoft.com/office/drawing/2010/main" Requires="a14">
+          <p:sp>
+            <p:nvSpPr>
+              <p:cNvPr id="3" name="Объект 2">
+                <a:extLst>
+                  <a:ext uri="{FF2B5EF4-FFF2-40B4-BE49-F238E27FC236}">
+                    <a16:creationId xmlns:a16="http://schemas.microsoft.com/office/drawing/2014/main" id="{2CF0D7B0-2D1E-A944-B9EC-69A39F6B1933}"/>
+                  </a:ext>
+                </a:extLst>
+              </p:cNvPr>
+              <p:cNvSpPr>
+                <a:spLocks noGrp="1"/>
+              </p:cNvSpPr>
+              <p:nvPr>
+                <p:ph idx="1"/>
+              </p:nvPr>
+            </p:nvSpPr>
+            <p:spPr>
+              <a:xfrm>
+                <a:off x="703893" y="1569591"/>
+                <a:ext cx="7736213" cy="4883596"/>
+              </a:xfrm>
+            </p:spPr>
+            <p:txBody>
+              <a:bodyPr>
+                <a:normAutofit lnSpcReduction="10000"/>
+              </a:bodyPr>
+              <a:lstStyle/>
+              <a:p>
+                <a:pPr marL="0" indent="0" algn="just">
+                  <a:buNone/>
+                </a:pPr>
+                <a:r>
+                  <a:rPr lang="ru-RU" sz="2400" dirty="0">
+                    <a:solidFill>
+                      <a:schemeClr val="tx1"/>
+                    </a:solidFill>
+                  </a:rPr>
+                  <a:t>Аккуратность (англ. </a:t>
+                </a:r>
+                <a:r>
+                  <a:rPr lang="en-US" sz="2400" dirty="0">
+                    <a:solidFill>
+                      <a:schemeClr val="tx1"/>
+                    </a:solidFill>
+                  </a:rPr>
+                  <a:t>Accuracy)</a:t>
+                </a:r>
+                <a:r>
+                  <a:rPr lang="ru-RU" sz="2400" dirty="0">
+                    <a:solidFill>
+                      <a:schemeClr val="tx1"/>
+                    </a:solidFill>
+                  </a:rPr>
+                  <a:t> – доля правильных ответов. Бесполезна в задачах с неравными классами.</a:t>
+                </a:r>
+                <a:endParaRPr lang="en-US" sz="2400" dirty="0">
+                  <a:solidFill>
+                    <a:schemeClr val="tx1"/>
+                  </a:solidFill>
+                </a:endParaRPr>
+              </a:p>
+              <a:p>
+                <a:pPr marL="0" indent="0" algn="just">
+                  <a:buNone/>
+                </a:pPr>
+                <a:r>
+                  <a:rPr lang="ru-RU" sz="2400" dirty="0">
+                    <a:solidFill>
+                      <a:schemeClr val="tx1"/>
+                    </a:solidFill>
+                  </a:rPr>
+                  <a:t>Точность (англ. </a:t>
+                </a:r>
+                <a:r>
+                  <a:rPr lang="en-US" sz="2400" dirty="0">
+                    <a:solidFill>
+                      <a:schemeClr val="tx1"/>
+                    </a:solidFill>
+                  </a:rPr>
+                  <a:t>Precision)</a:t>
+                </a:r>
+                <a:r>
+                  <a:rPr lang="ru-RU" sz="2400" dirty="0">
+                    <a:solidFill>
+                      <a:schemeClr val="tx1"/>
+                    </a:solidFill>
+                  </a:rPr>
+                  <a:t> - доля правильных ответов модели в пределах класса:</a:t>
+                </a:r>
+              </a:p>
+              <a:p>
+                <a:pPr marL="0" indent="0">
+                  <a:buNone/>
+                </a:pPr>
+                <a14:m>
+                  <m:oMathPara xmlns:m="http://schemas.openxmlformats.org/officeDocument/2006/math">
+                    <m:oMathParaPr>
+                      <m:jc m:val="centerGroup"/>
+                    </m:oMathParaPr>
+                    <m:oMath xmlns:m="http://schemas.openxmlformats.org/officeDocument/2006/math">
+                      <m:r>
+                        <m:rPr>
+                          <m:nor/>
+                        </m:rPr>
+                        <a:rPr lang="en-US" sz="2400" dirty="0">
+                          <a:solidFill>
+                            <a:schemeClr val="tx1"/>
+                          </a:solidFill>
+                        </a:rPr>
+                        <m:t>Precision</m:t>
+                      </m:r>
+                      <m:r>
+                        <a:rPr lang="ru-RU" sz="2400" i="1">
+                          <a:solidFill>
+                            <a:schemeClr val="tx1"/>
+                          </a:solidFill>
+                          <a:latin typeface="Cambria Math" panose="02040503050406030204" pitchFamily="18" charset="0"/>
+                        </a:rPr>
+                        <m:t>=</m:t>
+                      </m:r>
+                      <m:f>
+                        <m:fPr>
+                          <m:ctrlPr>
+                            <a:rPr lang="ru-RU" sz="2400" i="1">
+                              <a:solidFill>
+                                <a:schemeClr val="tx1"/>
+                              </a:solidFill>
+                              <a:latin typeface="Cambria Math" panose="02040503050406030204" pitchFamily="18" charset="0"/>
+                            </a:rPr>
+                          </m:ctrlPr>
+                        </m:fPr>
+                        <m:num>
+                          <m:r>
+                            <a:rPr lang="ru-RU" sz="2400" i="1">
+                              <a:solidFill>
+                                <a:schemeClr val="tx1"/>
+                              </a:solidFill>
+                              <a:latin typeface="Cambria Math" panose="02040503050406030204" pitchFamily="18" charset="0"/>
+                            </a:rPr>
+                            <m:t>𝑇𝑃</m:t>
+                          </m:r>
+                        </m:num>
+                        <m:den>
+                          <m:r>
+                            <a:rPr lang="ru-RU" sz="2400" i="1">
+                              <a:solidFill>
+                                <a:schemeClr val="tx1"/>
+                              </a:solidFill>
+                              <a:latin typeface="Cambria Math" panose="02040503050406030204" pitchFamily="18" charset="0"/>
+                            </a:rPr>
+                            <m:t>𝑇𝑃</m:t>
+                          </m:r>
+                          <m:r>
+                            <a:rPr lang="ru-RU" sz="2400" i="1">
+                              <a:solidFill>
+                                <a:schemeClr val="tx1"/>
+                              </a:solidFill>
+                              <a:latin typeface="Cambria Math" panose="02040503050406030204" pitchFamily="18" charset="0"/>
+                            </a:rPr>
+                            <m:t>+</m:t>
+                          </m:r>
+                          <m:r>
+                            <a:rPr lang="ru-RU" sz="2400" i="1">
+                              <a:solidFill>
+                                <a:schemeClr val="tx1"/>
+                              </a:solidFill>
+                              <a:latin typeface="Cambria Math" panose="02040503050406030204" pitchFamily="18" charset="0"/>
+                            </a:rPr>
+                            <m:t>𝐹𝑃</m:t>
+                          </m:r>
+                        </m:den>
+                      </m:f>
+                    </m:oMath>
+                  </m:oMathPara>
+                </a14:m>
+                <a:endParaRPr lang="ru-RU" sz="2400" dirty="0">
+                  <a:solidFill>
+                    <a:schemeClr val="tx1"/>
+                  </a:solidFill>
+                </a:endParaRPr>
+              </a:p>
+              <a:p>
+                <a:pPr marL="0" indent="0" algn="just">
+                  <a:buNone/>
+                </a:pPr>
+                <a:r>
+                  <a:rPr lang="ru-RU" sz="2400" dirty="0">
+                    <a:solidFill>
+                      <a:schemeClr val="tx1"/>
+                    </a:solidFill>
+                  </a:rPr>
+                  <a:t>Полнота (англ. </a:t>
+                </a:r>
+                <a:r>
+                  <a:rPr lang="en-US" sz="2400" dirty="0">
+                    <a:solidFill>
+                      <a:schemeClr val="tx1"/>
+                    </a:solidFill>
+                  </a:rPr>
+                  <a:t>Recall)</a:t>
+                </a:r>
+                <a:r>
+                  <a:rPr lang="ru-RU" sz="2400" dirty="0">
+                    <a:solidFill>
+                      <a:schemeClr val="tx1"/>
+                    </a:solidFill>
+                  </a:rPr>
+                  <a:t> - это доля истинно положительных классификаций:</a:t>
+                </a:r>
+              </a:p>
+              <a:p>
+                <a:pPr marL="0" indent="0">
+                  <a:buNone/>
+                </a:pPr>
+                <a14:m>
+                  <m:oMathPara xmlns:m="http://schemas.openxmlformats.org/officeDocument/2006/math">
+                    <m:oMathParaPr>
+                      <m:jc m:val="centerGroup"/>
+                    </m:oMathParaPr>
+                    <m:oMath xmlns:m="http://schemas.openxmlformats.org/officeDocument/2006/math">
+                      <m:r>
+                        <m:rPr>
+                          <m:nor/>
+                        </m:rPr>
+                        <a:rPr lang="en-US" sz="2400" dirty="0">
+                          <a:solidFill>
+                            <a:schemeClr val="tx1"/>
+                          </a:solidFill>
+                        </a:rPr>
+                        <m:t>Recall</m:t>
+                      </m:r>
+                      <m:r>
+                        <a:rPr lang="ru-RU" sz="2400" i="1">
+                          <a:solidFill>
+                            <a:schemeClr val="tx1"/>
+                          </a:solidFill>
+                          <a:latin typeface="Cambria Math" panose="02040503050406030204" pitchFamily="18" charset="0"/>
+                        </a:rPr>
+                        <m:t>=</m:t>
+                      </m:r>
+                      <m:f>
+                        <m:fPr>
+                          <m:ctrlPr>
+                            <a:rPr lang="ru-RU" sz="2400" i="1">
+                              <a:solidFill>
+                                <a:schemeClr val="tx1"/>
+                              </a:solidFill>
+                              <a:latin typeface="Cambria Math" panose="02040503050406030204" pitchFamily="18" charset="0"/>
+                            </a:rPr>
+                          </m:ctrlPr>
+                        </m:fPr>
+                        <m:num>
+                          <m:r>
+                            <a:rPr lang="ru-RU" sz="2400" i="1">
+                              <a:solidFill>
+                                <a:schemeClr val="tx1"/>
+                              </a:solidFill>
+                              <a:latin typeface="Cambria Math" panose="02040503050406030204" pitchFamily="18" charset="0"/>
+                            </a:rPr>
+                            <m:t>𝑇𝑃</m:t>
+                          </m:r>
+                        </m:num>
+                        <m:den>
+                          <m:r>
+                            <a:rPr lang="ru-RU" sz="2400" i="1">
+                              <a:solidFill>
+                                <a:schemeClr val="tx1"/>
+                              </a:solidFill>
+                              <a:latin typeface="Cambria Math" panose="02040503050406030204" pitchFamily="18" charset="0"/>
+                            </a:rPr>
+                            <m:t>𝑇𝑃</m:t>
+                          </m:r>
+                          <m:r>
+                            <a:rPr lang="ru-RU" sz="2400" i="1">
+                              <a:solidFill>
+                                <a:schemeClr val="tx1"/>
+                              </a:solidFill>
+                              <a:latin typeface="Cambria Math" panose="02040503050406030204" pitchFamily="18" charset="0"/>
+                            </a:rPr>
+                            <m:t>+</m:t>
+                          </m:r>
+                          <m:r>
+                            <a:rPr lang="ru-RU" sz="2400" i="1">
+                              <a:solidFill>
+                                <a:schemeClr val="tx1"/>
+                              </a:solidFill>
+                              <a:latin typeface="Cambria Math" panose="02040503050406030204" pitchFamily="18" charset="0"/>
+                            </a:rPr>
+                            <m:t>𝐹𝑁</m:t>
+                          </m:r>
+                        </m:den>
+                      </m:f>
+                    </m:oMath>
+                  </m:oMathPara>
+                </a14:m>
+                <a:endParaRPr lang="ru-RU" sz="2400" dirty="0">
+                  <a:solidFill>
+                    <a:schemeClr val="tx1"/>
+                  </a:solidFill>
+                </a:endParaRPr>
+              </a:p>
+              <a:p>
+                <a:pPr marL="0" indent="0" algn="just">
+                  <a:buNone/>
+                </a:pPr>
+                <a:r>
+                  <a:rPr lang="en-US" sz="2400" dirty="0">
+                    <a:solidFill>
+                      <a:schemeClr val="tx1"/>
+                    </a:solidFill>
+                  </a:rPr>
+                  <a:t>F-</a:t>
+                </a:r>
+                <a:r>
+                  <a:rPr lang="ru-RU" sz="2400" dirty="0">
+                    <a:solidFill>
+                      <a:schemeClr val="tx1"/>
+                    </a:solidFill>
+                  </a:rPr>
+                  <a:t>мера (англ. </a:t>
+                </a:r>
+                <a:r>
+                  <a:rPr lang="en-US" sz="2400" dirty="0">
+                    <a:solidFill>
+                      <a:schemeClr val="tx1"/>
+                    </a:solidFill>
+                  </a:rPr>
+                  <a:t>F-score)</a:t>
+                </a:r>
+                <a:r>
+                  <a:rPr lang="ru-RU" sz="2400" dirty="0">
+                    <a:solidFill>
+                      <a:schemeClr val="tx1"/>
+                    </a:solidFill>
+                  </a:rPr>
+                  <a:t> – гармоническое среднее между точностью и полнотой. </a:t>
+                </a:r>
+                <a:endParaRPr lang="en-US" sz="2400" dirty="0">
+                  <a:solidFill>
+                    <a:schemeClr val="tx1"/>
+                  </a:solidFill>
+                </a:endParaRPr>
+              </a:p>
+              <a:p>
+                <a:pPr marL="0" indent="0">
+                  <a:buNone/>
+                </a:pPr>
+                <a:endParaRPr lang="ru-RU" sz="2400" dirty="0">
+                  <a:solidFill>
+                    <a:schemeClr val="tx1"/>
+                  </a:solidFill>
+                </a:endParaRPr>
+              </a:p>
+            </p:txBody>
+          </p:sp>
+        </mc:Choice>
+        <mc:Fallback>
+          <p:sp>
+            <p:nvSpPr>
+              <p:cNvPr id="3" name="Объект 2">
+                <a:extLst>
+                  <a:ext uri="{FF2B5EF4-FFF2-40B4-BE49-F238E27FC236}">
+                    <a16:creationId xmlns:a16="http://schemas.microsoft.com/office/drawing/2014/main" id="{2CF0D7B0-2D1E-A944-B9EC-69A39F6B1933}"/>
+                  </a:ext>
+                </a:extLst>
+              </p:cNvPr>
+              <p:cNvSpPr>
+                <a:spLocks noGrp="1" noRot="1" noChangeAspect="1" noMove="1" noResize="1" noEditPoints="1" noAdjustHandles="1" noChangeArrowheads="1" noChangeShapeType="1" noTextEdit="1"/>
+              </p:cNvSpPr>
+              <p:nvPr>
+                <p:ph idx="1"/>
+              </p:nvPr>
+            </p:nvSpPr>
+            <p:spPr>
+              <a:xfrm>
+                <a:off x="703893" y="1569591"/>
+                <a:ext cx="7736213" cy="4883596"/>
+              </a:xfrm>
+              <a:blipFill>
+                <a:blip r:embed="rId2"/>
+                <a:stretch>
+                  <a:fillRect l="-1148" t="-1813" r="-1148"/>
+                </a:stretch>
+              </a:blipFill>
+            </p:spPr>
+            <p:txBody>
+              <a:bodyPr/>
+              <a:lstStyle/>
+              <a:p>
+                <a:r>
+                  <a:rPr lang="ru-RU">
+                    <a:noFill/>
+                  </a:rPr>
+                  <a:t> </a:t>
+                </a:r>
+              </a:p>
+            </p:txBody>
+          </p:sp>
+        </mc:Fallback>
+      </mc:AlternateContent>
+    </p:spTree>
+    <p:extLst>
+      <p:ext uri="{BB962C8B-B14F-4D97-AF65-F5344CB8AC3E}">
+        <p14:creationId xmlns:p14="http://schemas.microsoft.com/office/powerpoint/2010/main" val="2227461756"/>
+      </p:ext>
+    </p:extLst>
+  </p:cSld>
+  <p:clrMapOvr>
+    <a:masterClrMapping/>
+  </p:clrMapOvr>
+</p:sld>
+</file>
+
+<file path=ppt/slides/slide46.xml><?xml version="1.0" encoding="utf-8"?>
+<p:sld xmlns:a="http://schemas.openxmlformats.org/drawingml/2006/main" xmlns:r="http://schemas.openxmlformats.org/officeDocument/2006/relationships" xmlns:p="http://schemas.openxmlformats.org/presentationml/2006/main">
+  <p:cSld>
+    <p:spTree>
+      <p:nvGrpSpPr>
+        <p:cNvPr id="1" name=""/>
+        <p:cNvGrpSpPr/>
+        <p:nvPr/>
+      </p:nvGrpSpPr>
+      <p:grpSpPr>
+        <a:xfrm>
+          <a:off x="0" y="0"/>
+          <a:ext cx="0" cy="0"/>
+          <a:chOff x="0" y="0"/>
+          <a:chExt cx="0" cy="0"/>
+        </a:xfrm>
+      </p:grpSpPr>
+      <p:sp>
+        <p:nvSpPr>
+          <p:cNvPr id="2" name="Заголовок 1">
+            <a:extLst>
+              <a:ext uri="{FF2B5EF4-FFF2-40B4-BE49-F238E27FC236}">
+                <a16:creationId xmlns:a16="http://schemas.microsoft.com/office/drawing/2014/main" id="{B32EC480-1650-4340-9A95-E0B77776AD0D}"/>
+              </a:ext>
+            </a:extLst>
+          </p:cNvPr>
+          <p:cNvSpPr>
+            <a:spLocks noGrp="1"/>
+          </p:cNvSpPr>
+          <p:nvPr>
+            <p:ph type="title"/>
+          </p:nvPr>
+        </p:nvSpPr>
+        <p:spPr/>
+        <p:txBody>
+          <a:bodyPr/>
+          <a:lstStyle/>
+          <a:p>
+            <a:r>
+              <a:rPr lang="ru-RU" dirty="0"/>
+              <a:t>Сравнение метрик</a:t>
+            </a:r>
+          </a:p>
+        </p:txBody>
+      </p:sp>
+      <p:sp>
+        <p:nvSpPr>
+          <p:cNvPr id="3" name="Объект 2">
+            <a:extLst>
+              <a:ext uri="{FF2B5EF4-FFF2-40B4-BE49-F238E27FC236}">
+                <a16:creationId xmlns:a16="http://schemas.microsoft.com/office/drawing/2014/main" id="{C0FB0484-1891-4C41-97EF-8A442CD6712A}"/>
+              </a:ext>
+            </a:extLst>
+          </p:cNvPr>
+          <p:cNvSpPr>
+            <a:spLocks noGrp="1"/>
+          </p:cNvSpPr>
+          <p:nvPr>
+            <p:ph idx="1"/>
+          </p:nvPr>
+        </p:nvSpPr>
+        <p:spPr>
+          <a:xfrm>
+            <a:off x="457200" y="1600200"/>
+            <a:ext cx="7715200" cy="4525963"/>
+          </a:xfrm>
+        </p:spPr>
+        <p:txBody>
+          <a:bodyPr/>
+          <a:lstStyle/>
+          <a:p>
+            <a:pPr marL="0" indent="0">
+              <a:buNone/>
+            </a:pPr>
+            <a:r>
+              <a:rPr lang="ru-RU" sz="2400" dirty="0"/>
+              <a:t>Модель 1</a:t>
+            </a:r>
+          </a:p>
+          <a:p>
+            <a:pPr marL="0" indent="0">
+              <a:buNone/>
+            </a:pPr>
+            <a:r>
+              <a:rPr lang="en" sz="2400" dirty="0"/>
+              <a:t>F</a:t>
+            </a:r>
+            <a:r>
+              <a:rPr lang="en-US" sz="2400" dirty="0"/>
+              <a:t>1</a:t>
+            </a:r>
+            <a:r>
+              <a:rPr lang="ru-RU" sz="2400" dirty="0"/>
+              <a:t>=0.34</a:t>
+            </a:r>
+            <a:r>
+              <a:rPr lang="en-US" sz="2400" dirty="0"/>
+              <a:t>,</a:t>
+            </a:r>
+            <a:r>
+              <a:rPr lang="ru-RU" sz="2400" dirty="0"/>
+              <a:t> </a:t>
+            </a:r>
+            <a:r>
+              <a:rPr lang="en" sz="2400" dirty="0"/>
+              <a:t>accuracy</a:t>
+            </a:r>
+            <a:r>
+              <a:rPr lang="ru-RU" sz="2400" dirty="0"/>
+              <a:t>=0.48, </a:t>
+            </a:r>
+            <a:r>
+              <a:rPr lang="en" sz="2400" dirty="0"/>
+              <a:t>precision</a:t>
+            </a:r>
+            <a:r>
+              <a:rPr lang="ru-RU" sz="2400" dirty="0"/>
+              <a:t>=0.21</a:t>
+            </a:r>
+            <a:r>
+              <a:rPr lang="en-US" sz="2400" dirty="0"/>
+              <a:t>,</a:t>
+            </a:r>
+            <a:r>
+              <a:rPr lang="ru-RU" sz="2400" dirty="0"/>
+              <a:t> </a:t>
+            </a:r>
+            <a:r>
+              <a:rPr lang="en" sz="2400" dirty="0"/>
+              <a:t>recall</a:t>
+            </a:r>
+            <a:r>
+              <a:rPr lang="ru-RU" sz="2400" dirty="0"/>
+              <a:t>=0.95</a:t>
+            </a:r>
+          </a:p>
+          <a:p>
+            <a:pPr marL="0" indent="0">
+              <a:buNone/>
+            </a:pPr>
+            <a:r>
+              <a:rPr lang="ru-RU" sz="2400" dirty="0"/>
+              <a:t>[[51 </a:t>
+            </a:r>
+            <a:r>
+              <a:rPr lang="en-US" sz="2400" dirty="0"/>
+              <a:t>  </a:t>
+            </a:r>
+            <a:r>
+              <a:rPr lang="ru-RU" sz="2400" dirty="0"/>
+              <a:t>77] </a:t>
+            </a:r>
+          </a:p>
+          <a:p>
+            <a:pPr marL="0" indent="0">
+              <a:buNone/>
+            </a:pPr>
+            <a:r>
+              <a:rPr lang="ru-RU" sz="2400" dirty="0"/>
+              <a:t> [ 1 </a:t>
+            </a:r>
+            <a:r>
+              <a:rPr lang="en-US" sz="2400" dirty="0"/>
+              <a:t>   </a:t>
+            </a:r>
+            <a:r>
+              <a:rPr lang="ru-RU" sz="2400" dirty="0"/>
+              <a:t>20]] </a:t>
+            </a:r>
+            <a:endParaRPr lang="en-US" sz="2400" dirty="0"/>
+          </a:p>
+          <a:p>
+            <a:pPr marL="0" indent="0">
+              <a:buNone/>
+            </a:pPr>
+            <a:endParaRPr lang="ru-RU" sz="2400" dirty="0"/>
+          </a:p>
+          <a:p>
+            <a:pPr marL="0" indent="0">
+              <a:buNone/>
+            </a:pPr>
+            <a:r>
+              <a:rPr lang="ru-RU" sz="2400" dirty="0"/>
+              <a:t>Модель 2</a:t>
+            </a:r>
+          </a:p>
+          <a:p>
+            <a:pPr marL="0" indent="0">
+              <a:buNone/>
+            </a:pPr>
+            <a:r>
+              <a:rPr lang="en" sz="2400" dirty="0"/>
+              <a:t>F</a:t>
+            </a:r>
+            <a:r>
+              <a:rPr lang="en-US" sz="2400" dirty="0"/>
+              <a:t>1</a:t>
+            </a:r>
+            <a:r>
+              <a:rPr lang="ru-RU" sz="2400" dirty="0"/>
+              <a:t>=0.54</a:t>
+            </a:r>
+            <a:r>
+              <a:rPr lang="en-US" sz="2400" dirty="0"/>
+              <a:t>,</a:t>
+            </a:r>
+            <a:r>
+              <a:rPr lang="ru-RU" sz="2400" dirty="0"/>
+              <a:t> </a:t>
+            </a:r>
+            <a:r>
+              <a:rPr lang="en" sz="2400" dirty="0"/>
+              <a:t>accuracy</a:t>
+            </a:r>
+            <a:r>
+              <a:rPr lang="ru-RU" sz="2400" dirty="0"/>
+              <a:t>=0.82, </a:t>
+            </a:r>
+            <a:r>
+              <a:rPr lang="en" sz="2400" dirty="0"/>
+              <a:t>precision</a:t>
+            </a:r>
+            <a:r>
+              <a:rPr lang="ru-RU" sz="2400" dirty="0"/>
+              <a:t>= 0.42</a:t>
+            </a:r>
+            <a:r>
+              <a:rPr lang="en-US" sz="2400" dirty="0"/>
+              <a:t>,</a:t>
+            </a:r>
+            <a:r>
+              <a:rPr lang="ru-RU" sz="2400" dirty="0"/>
+              <a:t> </a:t>
+            </a:r>
+            <a:r>
+              <a:rPr lang="en" sz="2400" dirty="0"/>
+              <a:t>recall</a:t>
+            </a:r>
+            <a:r>
+              <a:rPr lang="ru-RU" sz="2400" dirty="0"/>
+              <a:t>=0.76</a:t>
+            </a:r>
+          </a:p>
+          <a:p>
+            <a:pPr marL="0" indent="0">
+              <a:buNone/>
+            </a:pPr>
+            <a:r>
+              <a:rPr lang="ru-RU" sz="2400" dirty="0"/>
+              <a:t>[[106 </a:t>
+            </a:r>
+            <a:r>
+              <a:rPr lang="en-US" sz="2400" dirty="0"/>
+              <a:t> </a:t>
+            </a:r>
+            <a:r>
+              <a:rPr lang="ru-RU" sz="2400" dirty="0"/>
+              <a:t>22] </a:t>
+            </a:r>
+          </a:p>
+          <a:p>
+            <a:pPr marL="0" indent="0">
+              <a:buNone/>
+            </a:pPr>
+            <a:r>
+              <a:rPr lang="ru-RU" sz="2400" dirty="0"/>
+              <a:t>[ 5 </a:t>
+            </a:r>
+            <a:r>
+              <a:rPr lang="en-US" sz="2400" dirty="0"/>
+              <a:t>     </a:t>
+            </a:r>
+            <a:r>
+              <a:rPr lang="ru-RU" sz="2400" dirty="0"/>
+              <a:t>16]]</a:t>
+            </a:r>
+          </a:p>
+        </p:txBody>
+      </p:sp>
+    </p:spTree>
+    <p:extLst>
+      <p:ext uri="{BB962C8B-B14F-4D97-AF65-F5344CB8AC3E}">
+        <p14:creationId xmlns:p14="http://schemas.microsoft.com/office/powerpoint/2010/main" val="3161576017"/>
+      </p:ext>
+    </p:extLst>
   </p:cSld>
   <p:clrMapOvr>
     <a:masterClrMapping/>
@@ -27626,7 +28715,7 @@
           <a:graphicData uri="http://schemas.openxmlformats.org/presentationml/2006/ole">
             <mc:AlternateContent xmlns:mc="http://schemas.openxmlformats.org/markup-compatibility/2006">
               <mc:Choice xmlns:v="urn:schemas-microsoft-com:vml" Requires="v">
-                <p:oleObj spid="_x0000_s226322" name="Equation" r:id="rId4" imgW="19596100" imgH="6146800" progId="Equation.3">
+                <p:oleObj spid="_x0000_s226327" name="Equation" r:id="rId4" imgW="19596100" imgH="6146800" progId="Equation.3">
                   <p:embed/>
                 </p:oleObj>
               </mc:Choice>
@@ -28535,7 +29624,7 @@
           <a:graphicData uri="http://schemas.openxmlformats.org/presentationml/2006/ole">
             <mc:AlternateContent xmlns:mc="http://schemas.openxmlformats.org/markup-compatibility/2006">
               <mc:Choice xmlns:v="urn:schemas-microsoft-com:vml" Requires="v">
-                <p:oleObj spid="_x0000_s259100" name="Equation" r:id="rId4" imgW="63779400" imgH="16675100" progId="Equation.3">
+                <p:oleObj spid="_x0000_s259110" name="Equation" r:id="rId4" imgW="63779400" imgH="16675100" progId="Equation.3">
                   <p:embed/>
                 </p:oleObj>
               </mc:Choice>
@@ -28640,7 +29729,7 @@
           <a:graphicData uri="http://schemas.openxmlformats.org/presentationml/2006/ole">
             <mc:AlternateContent xmlns:mc="http://schemas.openxmlformats.org/markup-compatibility/2006">
               <mc:Choice xmlns:v="urn:schemas-microsoft-com:vml" Requires="v">
-                <p:oleObj spid="_x0000_s259101" name="Equation" r:id="rId6" imgW="17843500" imgH="5562600" progId="Equation.3">
+                <p:oleObj spid="_x0000_s259111" name="Equation" r:id="rId6" imgW="17843500" imgH="5562600" progId="Equation.3">
                   <p:embed/>
                 </p:oleObj>
               </mc:Choice>
